--- a/平台logo制作/新建 Microsoft Office PowerPoint 演示文稿 (2).pptx
+++ b/平台logo制作/新建 Microsoft Office PowerPoint 演示文稿 (2).pptx
@@ -7,8 +7,10 @@
   <p:sldIdLst>
     <p:sldId id="256" r:id="rId2"/>
     <p:sldId id="257" r:id="rId3"/>
-    <p:sldId id="258" r:id="rId4"/>
-    <p:sldId id="259" r:id="rId5"/>
+    <p:sldId id="260" r:id="rId4"/>
+    <p:sldId id="258" r:id="rId5"/>
+    <p:sldId id="259" r:id="rId6"/>
+    <p:sldId id="261" r:id="rId7"/>
   </p:sldIdLst>
   <p:sldSz cx="9144000" cy="6858000" type="screen4x3"/>
   <p:notesSz cx="6858000" cy="9144000"/>
@@ -292,7 +294,7 @@
             <a:fld id="{530820CF-B880-4189-942D-D702A7CBA730}" type="datetimeFigureOut">
               <a:rPr lang="zh-CN" altLang="en-US" smtClean="0"/>
               <a:pPr/>
-              <a:t>2017/9/21</a:t>
+              <a:t>2017/9/22</a:t>
             </a:fld>
             <a:endParaRPr lang="zh-CN" altLang="en-US"/>
           </a:p>
@@ -459,7 +461,7 @@
             <a:fld id="{530820CF-B880-4189-942D-D702A7CBA730}" type="datetimeFigureOut">
               <a:rPr lang="zh-CN" altLang="en-US" smtClean="0"/>
               <a:pPr/>
-              <a:t>2017/9/21</a:t>
+              <a:t>2017/9/22</a:t>
             </a:fld>
             <a:endParaRPr lang="zh-CN" altLang="en-US"/>
           </a:p>
@@ -636,7 +638,7 @@
             <a:fld id="{530820CF-B880-4189-942D-D702A7CBA730}" type="datetimeFigureOut">
               <a:rPr lang="zh-CN" altLang="en-US" smtClean="0"/>
               <a:pPr/>
-              <a:t>2017/9/21</a:t>
+              <a:t>2017/9/22</a:t>
             </a:fld>
             <a:endParaRPr lang="zh-CN" altLang="en-US"/>
           </a:p>
@@ -803,7 +805,7 @@
             <a:fld id="{530820CF-B880-4189-942D-D702A7CBA730}" type="datetimeFigureOut">
               <a:rPr lang="zh-CN" altLang="en-US" smtClean="0"/>
               <a:pPr/>
-              <a:t>2017/9/21</a:t>
+              <a:t>2017/9/22</a:t>
             </a:fld>
             <a:endParaRPr lang="zh-CN" altLang="en-US"/>
           </a:p>
@@ -1046,7 +1048,7 @@
             <a:fld id="{530820CF-B880-4189-942D-D702A7CBA730}" type="datetimeFigureOut">
               <a:rPr lang="zh-CN" altLang="en-US" smtClean="0"/>
               <a:pPr/>
-              <a:t>2017/9/21</a:t>
+              <a:t>2017/9/22</a:t>
             </a:fld>
             <a:endParaRPr lang="zh-CN" altLang="en-US"/>
           </a:p>
@@ -1331,7 +1333,7 @@
             <a:fld id="{530820CF-B880-4189-942D-D702A7CBA730}" type="datetimeFigureOut">
               <a:rPr lang="zh-CN" altLang="en-US" smtClean="0"/>
               <a:pPr/>
-              <a:t>2017/9/21</a:t>
+              <a:t>2017/9/22</a:t>
             </a:fld>
             <a:endParaRPr lang="zh-CN" altLang="en-US"/>
           </a:p>
@@ -1750,7 +1752,7 @@
             <a:fld id="{530820CF-B880-4189-942D-D702A7CBA730}" type="datetimeFigureOut">
               <a:rPr lang="zh-CN" altLang="en-US" smtClean="0"/>
               <a:pPr/>
-              <a:t>2017/9/21</a:t>
+              <a:t>2017/9/22</a:t>
             </a:fld>
             <a:endParaRPr lang="zh-CN" altLang="en-US"/>
           </a:p>
@@ -1865,7 +1867,7 @@
             <a:fld id="{530820CF-B880-4189-942D-D702A7CBA730}" type="datetimeFigureOut">
               <a:rPr lang="zh-CN" altLang="en-US" smtClean="0"/>
               <a:pPr/>
-              <a:t>2017/9/21</a:t>
+              <a:t>2017/9/22</a:t>
             </a:fld>
             <a:endParaRPr lang="zh-CN" altLang="en-US"/>
           </a:p>
@@ -1957,7 +1959,7 @@
             <a:fld id="{530820CF-B880-4189-942D-D702A7CBA730}" type="datetimeFigureOut">
               <a:rPr lang="zh-CN" altLang="en-US" smtClean="0"/>
               <a:pPr/>
-              <a:t>2017/9/21</a:t>
+              <a:t>2017/9/22</a:t>
             </a:fld>
             <a:endParaRPr lang="zh-CN" altLang="en-US"/>
           </a:p>
@@ -2231,7 +2233,7 @@
             <a:fld id="{530820CF-B880-4189-942D-D702A7CBA730}" type="datetimeFigureOut">
               <a:rPr lang="zh-CN" altLang="en-US" smtClean="0"/>
               <a:pPr/>
-              <a:t>2017/9/21</a:t>
+              <a:t>2017/9/22</a:t>
             </a:fld>
             <a:endParaRPr lang="zh-CN" altLang="en-US"/>
           </a:p>
@@ -2481,7 +2483,7 @@
             <a:fld id="{530820CF-B880-4189-942D-D702A7CBA730}" type="datetimeFigureOut">
               <a:rPr lang="zh-CN" altLang="en-US" smtClean="0"/>
               <a:pPr/>
-              <a:t>2017/9/21</a:t>
+              <a:t>2017/9/22</a:t>
             </a:fld>
             <a:endParaRPr lang="zh-CN" altLang="en-US"/>
           </a:p>
@@ -2691,7 +2693,7 @@
             <a:fld id="{530820CF-B880-4189-942D-D702A7CBA730}" type="datetimeFigureOut">
               <a:rPr lang="zh-CN" altLang="en-US" smtClean="0"/>
               <a:pPr/>
-              <a:t>2017/9/21</a:t>
+              <a:t>2017/9/22</a:t>
             </a:fld>
             <a:endParaRPr lang="zh-CN" altLang="en-US"/>
           </a:p>
@@ -3062,80 +3064,6 @@
           <a:chExt cx="0" cy="0"/>
         </a:xfrm>
       </p:grpSpPr>
-      <p:sp>
-        <p:nvSpPr>
-          <p:cNvPr id="18" name="TextBox 17"/>
-          <p:cNvSpPr txBox="1"/>
-          <p:nvPr/>
-        </p:nvSpPr>
-        <p:spPr>
-          <a:xfrm>
-            <a:off x="2627784" y="0"/>
-            <a:ext cx="5400600" cy="1046440"/>
-          </a:xfrm>
-          <a:prstGeom prst="rect">
-            <a:avLst/>
-          </a:prstGeom>
-          <a:noFill/>
-          <a:ln>
-            <a:noFill/>
-          </a:ln>
-        </p:spPr>
-        <p:style>
-          <a:lnRef idx="2">
-            <a:schemeClr val="accent3"/>
-          </a:lnRef>
-          <a:fillRef idx="1">
-            <a:schemeClr val="lt1"/>
-          </a:fillRef>
-          <a:effectRef idx="0">
-            <a:schemeClr val="accent3"/>
-          </a:effectRef>
-          <a:fontRef idx="minor">
-            <a:schemeClr val="dk1"/>
-          </a:fontRef>
-        </p:style>
-        <p:txBody>
-          <a:bodyPr wrap="square" rtlCol="0">
-            <a:spAutoFit/>
-          </a:bodyPr>
-          <a:lstStyle/>
-          <a:p>
-            <a:r>
-              <a:rPr lang="zh-CN" altLang="en-US" sz="4400" b="1" dirty="0" smtClean="0">
-                <a:solidFill>
-                  <a:srgbClr val="FF0000"/>
-                </a:solidFill>
-                <a:latin typeface="隶书" pitchFamily="49" charset="-122"/>
-                <a:ea typeface="隶书" pitchFamily="49" charset="-122"/>
-              </a:rPr>
-              <a:t>现代林业与生态</a:t>
-            </a:r>
-            <a:endParaRPr lang="en-US" altLang="zh-CN" sz="4400" b="1" dirty="0" smtClean="0">
-              <a:solidFill>
-                <a:srgbClr val="FF0000"/>
-              </a:solidFill>
-              <a:latin typeface="隶书" pitchFamily="49" charset="-122"/>
-              <a:ea typeface="隶书" pitchFamily="49" charset="-122"/>
-            </a:endParaRPr>
-          </a:p>
-          <a:p>
-            <a:r>
-              <a:rPr lang="en-US" altLang="zh-CN" b="1" i="1" dirty="0" smtClean="0">
-                <a:latin typeface="Verdana" pitchFamily="34" charset="0"/>
-                <a:ea typeface="Verdana" pitchFamily="34" charset="0"/>
-                <a:cs typeface="Verdana" pitchFamily="34" charset="0"/>
-              </a:rPr>
-              <a:t>Modern Forestry and Ecology</a:t>
-            </a:r>
-            <a:endParaRPr lang="zh-CN" altLang="en-US" b="1" i="1" dirty="0">
-              <a:latin typeface="Verdana" pitchFamily="34" charset="0"/>
-              <a:ea typeface="隶书" pitchFamily="49" charset="-122"/>
-              <a:cs typeface="Verdana" pitchFamily="34" charset="0"/>
-            </a:endParaRPr>
-          </a:p>
-        </p:txBody>
-      </p:sp>
       <p:grpSp>
         <p:nvGrpSpPr>
           <p:cNvPr id="21" name="组合 20"/>
@@ -3520,6 +3448,105 @@
           <a:chExt cx="0" cy="0"/>
         </a:xfrm>
       </p:grpSpPr>
+      <p:sp>
+        <p:nvSpPr>
+          <p:cNvPr id="10" name="TextBox 9"/>
+          <p:cNvSpPr txBox="1"/>
+          <p:nvPr/>
+        </p:nvSpPr>
+        <p:spPr>
+          <a:xfrm>
+            <a:off x="1619672" y="2924944"/>
+            <a:ext cx="5400600" cy="1046440"/>
+          </a:xfrm>
+          <a:prstGeom prst="rect">
+            <a:avLst/>
+          </a:prstGeom>
+          <a:noFill/>
+          <a:ln>
+            <a:noFill/>
+          </a:ln>
+        </p:spPr>
+        <p:style>
+          <a:lnRef idx="2">
+            <a:schemeClr val="accent3"/>
+          </a:lnRef>
+          <a:fillRef idx="1">
+            <a:schemeClr val="lt1"/>
+          </a:fillRef>
+          <a:effectRef idx="0">
+            <a:schemeClr val="accent3"/>
+          </a:effectRef>
+          <a:fontRef idx="minor">
+            <a:schemeClr val="dk1"/>
+          </a:fontRef>
+        </p:style>
+        <p:txBody>
+          <a:bodyPr wrap="square" rtlCol="0">
+            <a:spAutoFit/>
+          </a:bodyPr>
+          <a:lstStyle/>
+          <a:p>
+            <a:r>
+              <a:rPr lang="zh-CN" altLang="en-US" sz="4400" b="1" dirty="0" smtClean="0">
+                <a:solidFill>
+                  <a:srgbClr val="FF0000"/>
+                </a:solidFill>
+                <a:latin typeface="隶书" pitchFamily="49" charset="-122"/>
+                <a:ea typeface="隶书" pitchFamily="49" charset="-122"/>
+              </a:rPr>
+              <a:t>现代林业与生态</a:t>
+            </a:r>
+            <a:endParaRPr lang="en-US" altLang="zh-CN" sz="4400" b="1" dirty="0" smtClean="0">
+              <a:solidFill>
+                <a:srgbClr val="FF0000"/>
+              </a:solidFill>
+              <a:latin typeface="隶书" pitchFamily="49" charset="-122"/>
+              <a:ea typeface="隶书" pitchFamily="49" charset="-122"/>
+            </a:endParaRPr>
+          </a:p>
+          <a:p>
+            <a:r>
+              <a:rPr lang="en-US" altLang="zh-CN" b="1" i="1" dirty="0" smtClean="0">
+                <a:latin typeface="Verdana" pitchFamily="34" charset="0"/>
+                <a:ea typeface="Verdana" pitchFamily="34" charset="0"/>
+                <a:cs typeface="Verdana" pitchFamily="34" charset="0"/>
+              </a:rPr>
+              <a:t>Modern Forestry and Ecology</a:t>
+            </a:r>
+            <a:endParaRPr lang="zh-CN" altLang="en-US" b="1" i="1" dirty="0">
+              <a:latin typeface="Verdana" pitchFamily="34" charset="0"/>
+              <a:ea typeface="隶书" pitchFamily="49" charset="-122"/>
+              <a:cs typeface="Verdana" pitchFamily="34" charset="0"/>
+            </a:endParaRPr>
+          </a:p>
+        </p:txBody>
+      </p:sp>
+    </p:spTree>
+  </p:cSld>
+  <p:clrMapOvr>
+    <a:masterClrMapping/>
+  </p:clrMapOvr>
+</p:sld>
+</file>
+
+<file path=ppt/slides/slide4.xml><?xml version="1.0" encoding="utf-8"?>
+<p:sld xmlns:a="http://schemas.openxmlformats.org/drawingml/2006/main" xmlns:r="http://schemas.openxmlformats.org/officeDocument/2006/relationships" xmlns:p="http://schemas.openxmlformats.org/presentationml/2006/main">
+  <p:cSld>
+    <p:spTree>
+      <p:nvGrpSpPr>
+        <p:cNvPr id="1" name=""/>
+        <p:cNvGrpSpPr/>
+        <p:nvPr/>
+      </p:nvGrpSpPr>
+      <p:grpSpPr>
+        <a:xfrm>
+          <a:off x="0" y="0"/>
+          <a:ext cx="0" cy="0"/>
+          <a:chOff x="0" y="0"/>
+          <a:chExt cx="0" cy="0"/>
+        </a:xfrm>
+      </p:grpSpPr>
       <p:grpSp>
         <p:nvGrpSpPr>
           <p:cNvPr id="15" name="组合 14"/>
@@ -3827,7 +3854,7 @@
 </p:sld>
 </file>
 
-<file path=ppt/slides/slide4.xml><?xml version="1.0" encoding="utf-8"?>
+<file path=ppt/slides/slide5.xml><?xml version="1.0" encoding="utf-8"?>
 <p:sld xmlns:a="http://schemas.openxmlformats.org/drawingml/2006/main" xmlns:r="http://schemas.openxmlformats.org/officeDocument/2006/relationships" xmlns:p="http://schemas.openxmlformats.org/presentationml/2006/main">
   <p:cSld>
     <p:spTree>
@@ -4125,23 +4152,7 @@
                   <a:ea typeface="隶书" pitchFamily="49" charset="-122"/>
                   <a:cs typeface="Times New Roman" pitchFamily="18" charset="0"/>
                 </a:rPr>
-                <a:t>柴宗政博士，</a:t>
-              </a:r>
-              <a:r>
-                <a:rPr lang="zh-CN" altLang="en-US" sz="1200" dirty="0" smtClean="0">
-                  <a:latin typeface="Times New Roman" pitchFamily="18" charset="0"/>
-                  <a:ea typeface="隶书" pitchFamily="49" charset="-122"/>
-                  <a:cs typeface="Times New Roman" pitchFamily="18" charset="0"/>
-                </a:rPr>
-                <a:t>贵州大学林学院教师</a:t>
-              </a:r>
-              <a:r>
-                <a:rPr lang="zh-CN" altLang="en-US" sz="1200" dirty="0" smtClean="0">
-                  <a:latin typeface="Times New Roman" pitchFamily="18" charset="0"/>
-                  <a:ea typeface="隶书" pitchFamily="49" charset="-122"/>
-                  <a:cs typeface="Times New Roman" pitchFamily="18" charset="0"/>
-                </a:rPr>
-                <a:t>，毕业于西北农林科技大学森林经理学专业，主要从事森林经营，植被生态及生态模型等方面的研究，擅长应用</a:t>
+                <a:t>柴宗政博士，贵州大学林学院教师，毕业于西北农林科技大学森林经理学专业，主要从事森林经营，植被生态及生态模型等方面的研究，擅长应用</a:t>
               </a:r>
               <a:r>
                 <a:rPr lang="en-US" altLang="zh-CN" sz="1200" dirty="0" smtClean="0">
@@ -4181,6 +4192,419 @@
   <p:clrMapOvr>
     <a:masterClrMapping/>
   </p:clrMapOvr>
+</p:sld>
+</file>
+
+<file path=ppt/slides/slide6.xml><?xml version="1.0" encoding="utf-8"?>
+<p:sld xmlns:a="http://schemas.openxmlformats.org/drawingml/2006/main" xmlns:r="http://schemas.openxmlformats.org/officeDocument/2006/relationships" xmlns:p="http://schemas.openxmlformats.org/presentationml/2006/main">
+  <p:cSld>
+    <p:spTree>
+      <p:nvGrpSpPr>
+        <p:cNvPr id="1" name=""/>
+        <p:cNvGrpSpPr/>
+        <p:nvPr/>
+      </p:nvGrpSpPr>
+      <p:grpSpPr>
+        <a:xfrm>
+          <a:off x="0" y="0"/>
+          <a:ext cx="0" cy="0"/>
+          <a:chOff x="0" y="0"/>
+          <a:chExt cx="0" cy="0"/>
+        </a:xfrm>
+      </p:grpSpPr>
+      <p:grpSp>
+        <p:nvGrpSpPr>
+          <p:cNvPr id="2" name="组合 14"/>
+          <p:cNvGrpSpPr/>
+          <p:nvPr/>
+        </p:nvGrpSpPr>
+        <p:grpSpPr>
+          <a:xfrm>
+            <a:off x="0" y="332656"/>
+            <a:ext cx="9180512" cy="4104456"/>
+            <a:chOff x="0" y="332656"/>
+            <a:chExt cx="9180512" cy="4104456"/>
+          </a:xfrm>
+        </p:grpSpPr>
+        <p:pic>
+          <p:nvPicPr>
+            <p:cNvPr id="10" name="图片 9" descr="06d12e5f3b45feb041e19687602d6d8a.jpg"/>
+            <p:cNvPicPr>
+              <a:picLocks noChangeAspect="1"/>
+            </p:cNvPicPr>
+            <p:nvPr/>
+          </p:nvPicPr>
+          <p:blipFill>
+            <a:blip r:embed="rId2" cstate="print">
+              <a:lum bright="2000"/>
+            </a:blip>
+            <a:srcRect b="7497"/>
+            <a:stretch>
+              <a:fillRect/>
+            </a:stretch>
+          </p:blipFill>
+          <p:spPr>
+            <a:xfrm>
+              <a:off x="0" y="379476"/>
+              <a:ext cx="9144000" cy="4057636"/>
+            </a:xfrm>
+            <a:prstGeom prst="rect">
+              <a:avLst/>
+            </a:prstGeom>
+          </p:spPr>
+        </p:pic>
+        <p:pic>
+          <p:nvPicPr>
+            <p:cNvPr id="12" name="图片 11" descr="qrcode_for_gh_259101871f2e_430.jpg"/>
+            <p:cNvPicPr>
+              <a:picLocks noChangeAspect="1"/>
+            </p:cNvPicPr>
+            <p:nvPr/>
+          </p:nvPicPr>
+          <p:blipFill>
+            <a:blip r:embed="rId3" cstate="print"/>
+            <a:stretch>
+              <a:fillRect/>
+            </a:stretch>
+          </p:blipFill>
+          <p:spPr>
+            <a:xfrm>
+              <a:off x="5084762" y="332656"/>
+              <a:ext cx="4095750" cy="4095750"/>
+            </a:xfrm>
+            <a:prstGeom prst="rect">
+              <a:avLst/>
+            </a:prstGeom>
+            <a:ln>
+              <a:noFill/>
+            </a:ln>
+            <a:effectLst>
+              <a:softEdge rad="112500"/>
+            </a:effectLst>
+          </p:spPr>
+        </p:pic>
+        <p:pic>
+          <p:nvPicPr>
+            <p:cNvPr id="13" name="图片 12" descr="图片2.png"/>
+            <p:cNvPicPr>
+              <a:picLocks noChangeAspect="1"/>
+            </p:cNvPicPr>
+            <p:nvPr/>
+          </p:nvPicPr>
+          <p:blipFill>
+            <a:blip r:embed="rId4" cstate="print"/>
+            <a:stretch>
+              <a:fillRect/>
+            </a:stretch>
+          </p:blipFill>
+          <p:spPr>
+            <a:xfrm>
+              <a:off x="251520" y="404664"/>
+              <a:ext cx="4602100" cy="1176431"/>
+            </a:xfrm>
+            <a:prstGeom prst="rect">
+              <a:avLst/>
+            </a:prstGeom>
+          </p:spPr>
+        </p:pic>
+        <p:sp>
+          <p:nvSpPr>
+            <p:cNvPr id="14" name="TextBox 13"/>
+            <p:cNvSpPr txBox="1"/>
+            <p:nvPr/>
+          </p:nvSpPr>
+          <p:spPr>
+            <a:xfrm>
+              <a:off x="107504" y="1807607"/>
+              <a:ext cx="5004048" cy="2413481"/>
+            </a:xfrm>
+            <a:prstGeom prst="rect">
+              <a:avLst/>
+            </a:prstGeom>
+            <a:solidFill>
+              <a:schemeClr val="lt1"/>
+            </a:solidFill>
+            <a:ln w="85725">
+              <a:solidFill>
+                <a:schemeClr val="accent3">
+                  <a:alpha val="44000"/>
+                </a:schemeClr>
+              </a:solidFill>
+            </a:ln>
+          </p:spPr>
+          <p:txBody>
+            <a:bodyPr wrap="square" rtlCol="0">
+              <a:spAutoFit/>
+            </a:bodyPr>
+            <a:lstStyle/>
+            <a:p>
+              <a:pPr algn="ctr">
+                <a:lnSpc>
+                  <a:spcPts val="4500"/>
+                </a:lnSpc>
+              </a:pPr>
+              <a:r>
+                <a:rPr lang="zh-CN" altLang="en-US" sz="2800" b="1" dirty="0" smtClean="0">
+                  <a:solidFill>
+                    <a:srgbClr val="7030A0"/>
+                  </a:solidFill>
+                  <a:latin typeface="Verdana" pitchFamily="34" charset="0"/>
+                  <a:ea typeface="隶书" pitchFamily="49" charset="-122"/>
+                  <a:cs typeface="Verdana" pitchFamily="34" charset="0"/>
+                </a:rPr>
+                <a:t>学术动态</a:t>
+              </a:r>
+              <a:r>
+                <a:rPr lang="en-US" altLang="zh-CN" sz="2800" b="1" dirty="0" smtClean="0">
+                  <a:solidFill>
+                    <a:srgbClr val="7030A0"/>
+                  </a:solidFill>
+                  <a:latin typeface="Verdana" pitchFamily="34" charset="0"/>
+                  <a:ea typeface="Verdana" pitchFamily="34" charset="0"/>
+                  <a:cs typeface="Verdana" pitchFamily="34" charset="0"/>
+                </a:rPr>
+                <a:t>|</a:t>
+              </a:r>
+              <a:r>
+                <a:rPr lang="zh-CN" altLang="en-US" sz="2800" b="1" dirty="0" smtClean="0">
+                  <a:solidFill>
+                    <a:srgbClr val="7030A0"/>
+                  </a:solidFill>
+                  <a:latin typeface="Verdana" pitchFamily="34" charset="0"/>
+                  <a:ea typeface="隶书" pitchFamily="49" charset="-122"/>
+                  <a:cs typeface="Verdana" pitchFamily="34" charset="0"/>
+                </a:rPr>
+                <a:t>研究方法</a:t>
+              </a:r>
+              <a:r>
+                <a:rPr lang="en-US" altLang="zh-CN" sz="2800" b="1" dirty="0" smtClean="0">
+                  <a:solidFill>
+                    <a:srgbClr val="7030A0"/>
+                  </a:solidFill>
+                  <a:latin typeface="Verdana" pitchFamily="34" charset="0"/>
+                  <a:ea typeface="Verdana" pitchFamily="34" charset="0"/>
+                  <a:cs typeface="Verdana" pitchFamily="34" charset="0"/>
+                </a:rPr>
+                <a:t>|</a:t>
+              </a:r>
+              <a:r>
+                <a:rPr lang="zh-CN" altLang="en-US" sz="2800" b="1" dirty="0" smtClean="0">
+                  <a:solidFill>
+                    <a:srgbClr val="7030A0"/>
+                  </a:solidFill>
+                  <a:latin typeface="Verdana" pitchFamily="34" charset="0"/>
+                  <a:ea typeface="隶书" pitchFamily="49" charset="-122"/>
+                  <a:cs typeface="Verdana" pitchFamily="34" charset="0"/>
+                </a:rPr>
+                <a:t>专业知识</a:t>
+              </a:r>
+              <a:endParaRPr lang="en-US" altLang="zh-CN" sz="2800" b="1" dirty="0" smtClean="0">
+                <a:solidFill>
+                  <a:srgbClr val="7030A0"/>
+                </a:solidFill>
+                <a:latin typeface="Verdana" pitchFamily="34" charset="0"/>
+                <a:ea typeface="Verdana" pitchFamily="34" charset="0"/>
+                <a:cs typeface="Verdana" pitchFamily="34" charset="0"/>
+              </a:endParaRPr>
+            </a:p>
+            <a:p>
+              <a:pPr algn="ctr">
+                <a:lnSpc>
+                  <a:spcPts val="4500"/>
+                </a:lnSpc>
+              </a:pPr>
+              <a:r>
+                <a:rPr lang="en-US" altLang="zh-CN" sz="4400" b="1" dirty="0" smtClean="0">
+                  <a:solidFill>
+                    <a:srgbClr val="7030A0"/>
+                  </a:solidFill>
+                  <a:latin typeface="Times New Roman" pitchFamily="18" charset="0"/>
+                  <a:ea typeface="Verdana" pitchFamily="34" charset="0"/>
+                  <a:cs typeface="Times New Roman" pitchFamily="18" charset="0"/>
+                </a:rPr>
+                <a:t>R</a:t>
+              </a:r>
+              <a:r>
+                <a:rPr lang="zh-CN" altLang="en-US" sz="2800" b="1" dirty="0" smtClean="0">
+                  <a:solidFill>
+                    <a:srgbClr val="7030A0"/>
+                  </a:solidFill>
+                  <a:latin typeface="Verdana" pitchFamily="34" charset="0"/>
+                  <a:ea typeface="隶书" pitchFamily="49" charset="-122"/>
+                  <a:cs typeface="Verdana" pitchFamily="34" charset="0"/>
+                </a:rPr>
+                <a:t>语言统计分析及图形可视化</a:t>
+              </a:r>
+              <a:endParaRPr lang="en-US" altLang="zh-CN" sz="3200" b="1" dirty="0" smtClean="0">
+                <a:solidFill>
+                  <a:srgbClr val="7030A0"/>
+                </a:solidFill>
+                <a:latin typeface="隶书" pitchFamily="49" charset="-122"/>
+                <a:ea typeface="隶书" pitchFamily="49" charset="-122"/>
+              </a:endParaRPr>
+            </a:p>
+            <a:p>
+              <a:pPr algn="ctr">
+                <a:lnSpc>
+                  <a:spcPts val="4500"/>
+                </a:lnSpc>
+                <a:spcBef>
+                  <a:spcPts val="600"/>
+                </a:spcBef>
+              </a:pPr>
+              <a:r>
+                <a:rPr lang="zh-CN" altLang="en-US" sz="3600" b="1" dirty="0" smtClean="0">
+                  <a:solidFill>
+                    <a:schemeClr val="tx2"/>
+                  </a:solidFill>
+                  <a:latin typeface="隶书" pitchFamily="49" charset="-122"/>
+                  <a:ea typeface="隶书" pitchFamily="49" charset="-122"/>
+                </a:rPr>
+                <a:t>长按二维码关注公众号</a:t>
+              </a:r>
+              <a:endParaRPr lang="en-US" altLang="zh-CN" sz="3600" b="1" i="1" dirty="0" smtClean="0">
+                <a:solidFill>
+                  <a:srgbClr val="FF0000"/>
+                </a:solidFill>
+                <a:latin typeface="隶书" pitchFamily="49" charset="-122"/>
+                <a:ea typeface="隶书" pitchFamily="49" charset="-122"/>
+              </a:endParaRPr>
+            </a:p>
+            <a:p>
+              <a:pPr>
+                <a:lnSpc>
+                  <a:spcPts val="2000"/>
+                </a:lnSpc>
+              </a:pPr>
+              <a:r>
+                <a:rPr lang="zh-CN" altLang="en-US" sz="1200" b="1" smtClean="0">
+                  <a:solidFill>
+                    <a:srgbClr val="FF0000"/>
+                  </a:solidFill>
+                  <a:latin typeface="Times New Roman" pitchFamily="18" charset="0"/>
+                  <a:ea typeface="隶书" pitchFamily="49" charset="-122"/>
+                  <a:cs typeface="Times New Roman" pitchFamily="18" charset="0"/>
+                </a:rPr>
+                <a:t>       现代</a:t>
+              </a:r>
+              <a:r>
+                <a:rPr lang="zh-CN" altLang="en-US" sz="1200" b="1" dirty="0" smtClean="0">
+                  <a:solidFill>
+                    <a:srgbClr val="FF0000"/>
+                  </a:solidFill>
+                  <a:latin typeface="Times New Roman" pitchFamily="18" charset="0"/>
+                  <a:ea typeface="隶书" pitchFamily="49" charset="-122"/>
+                  <a:cs typeface="Times New Roman" pitchFamily="18" charset="0"/>
+                </a:rPr>
+                <a:t>林业与生态（</a:t>
+              </a:r>
+              <a:r>
+                <a:rPr lang="en-US" altLang="zh-CN" sz="1200" b="1" dirty="0" smtClean="0">
+                  <a:solidFill>
+                    <a:srgbClr val="FF0000"/>
+                  </a:solidFill>
+                  <a:latin typeface="Times New Roman" pitchFamily="18" charset="0"/>
+                  <a:ea typeface="隶书" pitchFamily="49" charset="-122"/>
+                  <a:cs typeface="Times New Roman" pitchFamily="18" charset="0"/>
+                </a:rPr>
+                <a:t>MFE</a:t>
+              </a:r>
+              <a:r>
+                <a:rPr lang="zh-CN" altLang="en-US" sz="1200" b="1" dirty="0" smtClean="0">
+                  <a:solidFill>
+                    <a:srgbClr val="FF0000"/>
+                  </a:solidFill>
+                  <a:latin typeface="Times New Roman" pitchFamily="18" charset="0"/>
+                  <a:ea typeface="隶书" pitchFamily="49" charset="-122"/>
+                  <a:cs typeface="Times New Roman" pitchFamily="18" charset="0"/>
+                </a:rPr>
+                <a:t>）</a:t>
+              </a:r>
+              <a:r>
+                <a:rPr lang="zh-CN" altLang="en-US" sz="1200" dirty="0" smtClean="0">
+                  <a:latin typeface="Times New Roman" pitchFamily="18" charset="0"/>
+                  <a:ea typeface="隶书" pitchFamily="49" charset="-122"/>
+                  <a:cs typeface="Times New Roman" pitchFamily="18" charset="0"/>
+                </a:rPr>
+                <a:t>成立于</a:t>
+              </a:r>
+              <a:r>
+                <a:rPr lang="en-US" altLang="zh-CN" sz="1200" dirty="0" smtClean="0">
+                  <a:latin typeface="Times New Roman" pitchFamily="18" charset="0"/>
+                  <a:ea typeface="隶书" pitchFamily="49" charset="-122"/>
+                  <a:cs typeface="Times New Roman" pitchFamily="18" charset="0"/>
+                </a:rPr>
+                <a:t>2017</a:t>
+              </a:r>
+              <a:r>
+                <a:rPr lang="zh-CN" altLang="en-US" sz="1200" dirty="0" smtClean="0">
+                  <a:latin typeface="Times New Roman" pitchFamily="18" charset="0"/>
+                  <a:ea typeface="隶书" pitchFamily="49" charset="-122"/>
+                  <a:cs typeface="Times New Roman" pitchFamily="18" charset="0"/>
+                </a:rPr>
+                <a:t>年</a:t>
+              </a:r>
+              <a:r>
+                <a:rPr lang="en-US" altLang="zh-CN" sz="1200" dirty="0" smtClean="0">
+                  <a:latin typeface="Times New Roman" pitchFamily="18" charset="0"/>
+                  <a:ea typeface="隶书" pitchFamily="49" charset="-122"/>
+                  <a:cs typeface="Times New Roman" pitchFamily="18" charset="0"/>
+                </a:rPr>
+                <a:t>9</a:t>
+              </a:r>
+              <a:r>
+                <a:rPr lang="zh-CN" altLang="en-US" sz="1200" dirty="0" smtClean="0">
+                  <a:latin typeface="Times New Roman" pitchFamily="18" charset="0"/>
+                  <a:ea typeface="隶书" pitchFamily="49" charset="-122"/>
+                  <a:cs typeface="Times New Roman" pitchFamily="18" charset="0"/>
+                </a:rPr>
+                <a:t>月，由柴宗政</a:t>
+              </a:r>
+              <a:r>
+                <a:rPr lang="zh-CN" altLang="en-US" sz="1200" dirty="0" smtClean="0">
+                  <a:latin typeface="Times New Roman" pitchFamily="18" charset="0"/>
+                  <a:ea typeface="隶书" pitchFamily="49" charset="-122"/>
+                  <a:cs typeface="Times New Roman" pitchFamily="18" charset="0"/>
+                </a:rPr>
+                <a:t>和孙彩丽博士夫妇创建，是一个旨在传播和分享林业与生态</a:t>
+              </a:r>
+              <a:r>
+                <a:rPr lang="zh-CN" altLang="en-US" sz="1200" dirty="0" smtClean="0">
+                  <a:latin typeface="Times New Roman" pitchFamily="18" charset="0"/>
+                  <a:ea typeface="隶书" pitchFamily="49" charset="-122"/>
+                  <a:cs typeface="Times New Roman" pitchFamily="18" charset="0"/>
+                </a:rPr>
+                <a:t>知识</a:t>
+              </a:r>
+              <a:r>
+                <a:rPr lang="zh-CN" altLang="en-US" sz="1200" dirty="0" smtClean="0">
+                  <a:latin typeface="Times New Roman" pitchFamily="18" charset="0"/>
+                  <a:ea typeface="隶书" pitchFamily="49" charset="-122"/>
+                  <a:cs typeface="Times New Roman" pitchFamily="18" charset="0"/>
+                </a:rPr>
+                <a:t>的微信公众号平台。</a:t>
+              </a:r>
+              <a:endParaRPr lang="zh-CN" altLang="en-US" sz="1200" dirty="0">
+                <a:latin typeface="Times New Roman" pitchFamily="18" charset="0"/>
+                <a:ea typeface="隶书" pitchFamily="49" charset="-122"/>
+                <a:cs typeface="Times New Roman" pitchFamily="18" charset="0"/>
+              </a:endParaRPr>
+            </a:p>
+          </p:txBody>
+        </p:sp>
+      </p:grpSp>
+    </p:spTree>
+  </p:cSld>
+  <p:clrMapOvr>
+    <a:masterClrMapping/>
+  </p:clrMapOvr>
+  <p:timing>
+    <p:tnLst>
+      <p:par>
+        <p:cTn id="1" dur="indefinite" restart="never" nodeType="tmRoot"/>
+      </p:par>
+    </p:tnLst>
+  </p:timing>
 </p:sld>
 </file>
 
